--- a/Atomreaktor szimulator.pptx
+++ b/Atomreaktor szimulator.pptx
@@ -5,10 +5,10 @@
     <p:sldMasterId id="2147483744" r:id="rId4"/>
   </p:sldMasterIdLst>
   <p:notesMasterIdLst>
-    <p:notesMasterId r:id="rId14"/>
+    <p:notesMasterId r:id="rId15"/>
   </p:notesMasterIdLst>
   <p:handoutMasterIdLst>
-    <p:handoutMasterId r:id="rId15"/>
+    <p:handoutMasterId r:id="rId16"/>
   </p:handoutMasterIdLst>
   <p:sldIdLst>
     <p:sldId id="275" r:id="rId5"/>
@@ -19,7 +19,8 @@
     <p:sldId id="280" r:id="rId10"/>
     <p:sldId id="281" r:id="rId11"/>
     <p:sldId id="282" r:id="rId12"/>
-    <p:sldId id="274" r:id="rId13"/>
+    <p:sldId id="283" r:id="rId13"/>
+    <p:sldId id="274" r:id="rId14"/>
   </p:sldIdLst>
   <p:sldSz cx="12192000" cy="6858000"/>
   <p:notesSz cx="6858000" cy="9144000"/>
@@ -1249,7 +1250,7 @@
           <a:p>
             <a:fld id="{B23E6C88-5714-4435-A8C0-B617125C99F0}" type="slidenum">
               <a:rPr lang="hu-HU" noProof="0" smtClean="0"/>
-              <a:t>9</a:t>
+              <a:t>10</a:t>
             </a:fld>
             <a:endParaRPr lang="hu-HU" noProof="0"/>
           </a:p>
@@ -7183,6 +7184,236 @@
 </p:sld>
 </file>
 
+<file path=ppt/slides/slide10.xml><?xml version="1.0" encoding="utf-8"?>
+<p:sld xmlns:a="http://schemas.openxmlformats.org/drawingml/2006/main" xmlns:r="http://schemas.openxmlformats.org/officeDocument/2006/relationships" xmlns:p="http://schemas.openxmlformats.org/presentationml/2006/main">
+  <p:cSld>
+    <p:spTree>
+      <p:nvGrpSpPr>
+        <p:cNvPr id="1" name=""/>
+        <p:cNvGrpSpPr/>
+        <p:nvPr/>
+      </p:nvGrpSpPr>
+      <p:grpSpPr>
+        <a:xfrm>
+          <a:off x="0" y="0"/>
+          <a:ext cx="0" cy="0"/>
+          <a:chOff x="0" y="0"/>
+          <a:chExt cx="0" cy="0"/>
+        </a:xfrm>
+      </p:grpSpPr>
+      <p:pic>
+        <p:nvPicPr>
+          <p:cNvPr id="5" name="Kép 4" descr="fénypontok">
+            <a:extLst>
+              <a:ext uri="{FF2B5EF4-FFF2-40B4-BE49-F238E27FC236}">
+                <a16:creationId xmlns:a16="http://schemas.microsoft.com/office/drawing/2014/main" id="{20A520D0-11CF-4639-8537-F56A8A2FDCFD}"/>
+              </a:ext>
+            </a:extLst>
+          </p:cNvPr>
+          <p:cNvPicPr>
+            <a:picLocks noChangeAspect="1"/>
+          </p:cNvPicPr>
+          <p:nvPr/>
+        </p:nvPicPr>
+        <p:blipFill rotWithShape="1">
+          <a:blip r:embed="rId3">
+            <a:alphaModFix amt="20000"/>
+            <a:extLst>
+              <a:ext uri="{28A0092B-C50C-407E-A947-70E740481C1C}">
+                <a14:useLocalDpi xmlns:a14="http://schemas.microsoft.com/office/drawing/2010/main"/>
+              </a:ext>
+            </a:extLst>
+          </a:blip>
+          <a:srcRect/>
+          <a:stretch/>
+        </p:blipFill>
+        <p:spPr>
+          <a:xfrm>
+            <a:off x="20" y="10"/>
+            <a:ext cx="12191980" cy="6857990"/>
+          </a:xfrm>
+          <a:prstGeom prst="rect">
+            <a:avLst/>
+          </a:prstGeom>
+        </p:spPr>
+      </p:pic>
+      <p:sp>
+        <p:nvSpPr>
+          <p:cNvPr id="2" name="Cím 1">
+            <a:extLst>
+              <a:ext uri="{FF2B5EF4-FFF2-40B4-BE49-F238E27FC236}">
+                <a16:creationId xmlns:a16="http://schemas.microsoft.com/office/drawing/2014/main" id="{D44BCB7C-A6FC-4118-9027-468ECFDE6455}"/>
+              </a:ext>
+            </a:extLst>
+          </p:cNvPr>
+          <p:cNvSpPr>
+            <a:spLocks noGrp="1"/>
+          </p:cNvSpPr>
+          <p:nvPr>
+            <p:ph type="ctrTitle"/>
+          </p:nvPr>
+        </p:nvSpPr>
+        <p:spPr>
+          <a:xfrm>
+            <a:off x="3962399" y="2573867"/>
+            <a:ext cx="7197726" cy="2421464"/>
+          </a:xfrm>
+        </p:spPr>
+        <p:txBody>
+          <a:bodyPr rtlCol="0">
+            <a:normAutofit/>
+          </a:bodyPr>
+          <a:lstStyle/>
+          <a:p>
+            <a:pPr rtl="0"/>
+            <a:r>
+              <a:rPr lang="hu-HU" dirty="0"/>
+              <a:t>Köszönjük!</a:t>
+            </a:r>
+          </a:p>
+        </p:txBody>
+      </p:sp>
+      <p:sp>
+        <p:nvSpPr>
+          <p:cNvPr id="3" name="Alcím 2">
+            <a:extLst>
+              <a:ext uri="{FF2B5EF4-FFF2-40B4-BE49-F238E27FC236}">
+                <a16:creationId xmlns:a16="http://schemas.microsoft.com/office/drawing/2014/main" id="{4B64FA72-B055-4AE3-A6FD-8071BD687CBE}"/>
+              </a:ext>
+            </a:extLst>
+          </p:cNvPr>
+          <p:cNvSpPr>
+            <a:spLocks noGrp="1"/>
+          </p:cNvSpPr>
+          <p:nvPr>
+            <p:ph type="subTitle" idx="1"/>
+          </p:nvPr>
+        </p:nvSpPr>
+        <p:spPr>
+          <a:xfrm>
+            <a:off x="3962399" y="4995332"/>
+            <a:ext cx="7197726" cy="1405467"/>
+          </a:xfrm>
+        </p:spPr>
+        <p:txBody>
+          <a:bodyPr rtlCol="0">
+            <a:normAutofit/>
+          </a:bodyPr>
+          <a:lstStyle/>
+          <a:p>
+            <a:pPr rtl="0"/>
+            <a:r>
+              <a:rPr lang="hu-HU" dirty="0" smtClean="0">
+                <a:solidFill>
+                  <a:schemeClr val="accent1">
+                    <a:lumMod val="40000"/>
+                    <a:lumOff val="60000"/>
+                  </a:schemeClr>
+                </a:solidFill>
+              </a:rPr>
+              <a:t>Készítette: Szabó Csanád, </a:t>
+            </a:r>
+            <a:r>
+              <a:rPr lang="hu-HU" dirty="0" err="1" smtClean="0">
+                <a:solidFill>
+                  <a:schemeClr val="accent1">
+                    <a:lumMod val="40000"/>
+                    <a:lumOff val="60000"/>
+                  </a:schemeClr>
+                </a:solidFill>
+              </a:rPr>
+              <a:t>babinszki</a:t>
+            </a:r>
+            <a:r>
+              <a:rPr lang="hu-HU" dirty="0" smtClean="0">
+                <a:solidFill>
+                  <a:schemeClr val="accent1">
+                    <a:lumMod val="40000"/>
+                    <a:lumOff val="60000"/>
+                  </a:schemeClr>
+                </a:solidFill>
+              </a:rPr>
+              <a:t> </a:t>
+            </a:r>
+            <a:r>
+              <a:rPr lang="hu-HU" dirty="0" err="1" smtClean="0">
+                <a:solidFill>
+                  <a:schemeClr val="accent1">
+                    <a:lumMod val="40000"/>
+                    <a:lumOff val="60000"/>
+                  </a:schemeClr>
+                </a:solidFill>
+              </a:rPr>
+              <a:t>botond</a:t>
+            </a:r>
+            <a:r>
+              <a:rPr lang="hu-HU" dirty="0" smtClean="0">
+                <a:solidFill>
+                  <a:schemeClr val="accent1">
+                    <a:lumMod val="40000"/>
+                    <a:lumOff val="60000"/>
+                  </a:schemeClr>
+                </a:solidFill>
+              </a:rPr>
+              <a:t>, </a:t>
+            </a:r>
+            <a:r>
+              <a:rPr lang="hu-HU" dirty="0" err="1" smtClean="0">
+                <a:solidFill>
+                  <a:schemeClr val="accent1">
+                    <a:lumMod val="40000"/>
+                    <a:lumOff val="60000"/>
+                  </a:schemeClr>
+                </a:solidFill>
+              </a:rPr>
+              <a:t>turcsányi</a:t>
+            </a:r>
+            <a:r>
+              <a:rPr lang="hu-HU" dirty="0" smtClean="0">
+                <a:solidFill>
+                  <a:schemeClr val="accent1">
+                    <a:lumMod val="40000"/>
+                    <a:lumOff val="60000"/>
+                  </a:schemeClr>
+                </a:solidFill>
+              </a:rPr>
+              <a:t> </a:t>
+            </a:r>
+            <a:r>
+              <a:rPr lang="hu-HU" smtClean="0">
+                <a:solidFill>
+                  <a:schemeClr val="accent1">
+                    <a:lumMod val="40000"/>
+                    <a:lumOff val="60000"/>
+                  </a:schemeClr>
+                </a:solidFill>
+              </a:rPr>
+              <a:t>máté</a:t>
+            </a:r>
+            <a:endParaRPr lang="hu-HU" dirty="0">
+              <a:solidFill>
+                <a:schemeClr val="accent1">
+                  <a:lumMod val="40000"/>
+                  <a:lumOff val="60000"/>
+                </a:schemeClr>
+              </a:solidFill>
+            </a:endParaRPr>
+          </a:p>
+        </p:txBody>
+      </p:sp>
+    </p:spTree>
+    <p:extLst>
+      <p:ext uri="{BB962C8B-B14F-4D97-AF65-F5344CB8AC3E}">
+        <p14:creationId xmlns:p14="http://schemas.microsoft.com/office/powerpoint/2010/main" val="2939930866"/>
+      </p:ext>
+    </p:extLst>
+  </p:cSld>
+  <p:clrMapOvr>
+    <a:masterClrMapping/>
+  </p:clrMapOvr>
+</p:sld>
+</file>
+
 <file path=ppt/slides/slide2.xml><?xml version="1.0" encoding="utf-8"?>
 <p:sld xmlns:a="http://schemas.openxmlformats.org/drawingml/2006/main" xmlns:r="http://schemas.openxmlformats.org/officeDocument/2006/relationships" xmlns:p="http://schemas.openxmlformats.org/presentationml/2006/main">
   <p:cSld>
@@ -8585,125 +8816,67 @@
           <a:chExt cx="0" cy="0"/>
         </a:xfrm>
       </p:grpSpPr>
+      <p:sp>
+        <p:nvSpPr>
+          <p:cNvPr id="2" name="Cím 1"/>
+          <p:cNvSpPr>
+            <a:spLocks noGrp="1"/>
+          </p:cNvSpPr>
+          <p:nvPr>
+            <p:ph type="title"/>
+          </p:nvPr>
+        </p:nvSpPr>
+        <p:spPr>
+          <a:xfrm>
+            <a:off x="1409918" y="-20628"/>
+            <a:ext cx="10131425" cy="1456267"/>
+          </a:xfrm>
+        </p:spPr>
+        <p:txBody>
+          <a:bodyPr/>
+          <a:lstStyle/>
+          <a:p>
+            <a:pPr algn="ctr"/>
+            <a:r>
+              <a:rPr lang="hu-HU" dirty="0" smtClean="0"/>
+              <a:t>Munkamegosztás </a:t>
+            </a:r>
+            <a:r>
+              <a:rPr lang="hu-HU" dirty="0" err="1" smtClean="0"/>
+              <a:t>githubon</a:t>
+            </a:r>
+            <a:endParaRPr lang="hu-HU" dirty="0"/>
+          </a:p>
+        </p:txBody>
+      </p:sp>
       <p:pic>
         <p:nvPicPr>
-          <p:cNvPr id="5" name="Kép 4" descr="fénypontok">
-            <a:extLst>
-              <a:ext uri="{FF2B5EF4-FFF2-40B4-BE49-F238E27FC236}">
-                <a16:creationId xmlns:a16="http://schemas.microsoft.com/office/drawing/2014/main" id="{20A520D0-11CF-4639-8537-F56A8A2FDCFD}"/>
-              </a:ext>
-            </a:extLst>
-          </p:cNvPr>
+          <p:cNvPr id="4" name="Kép 3"/>
           <p:cNvPicPr>
             <a:picLocks noChangeAspect="1"/>
           </p:cNvPicPr>
           <p:nvPr/>
         </p:nvPicPr>
-        <p:blipFill rotWithShape="1">
-          <a:blip r:embed="rId3">
-            <a:alphaModFix amt="20000"/>
-            <a:extLst>
-              <a:ext uri="{28A0092B-C50C-407E-A947-70E740481C1C}">
-                <a14:useLocalDpi xmlns:a14="http://schemas.microsoft.com/office/drawing/2010/main"/>
-              </a:ext>
-            </a:extLst>
-          </a:blip>
-          <a:srcRect/>
-          <a:stretch/>
+        <p:blipFill>
+          <a:blip r:embed="rId2"/>
+          <a:stretch>
+            <a:fillRect/>
+          </a:stretch>
         </p:blipFill>
         <p:spPr>
           <a:xfrm>
-            <a:off x="20" y="10"/>
-            <a:ext cx="12191980" cy="6857990"/>
+            <a:off x="837269" y="1238596"/>
+            <a:ext cx="9789674" cy="5261950"/>
           </a:xfrm>
           <a:prstGeom prst="rect">
             <a:avLst/>
           </a:prstGeom>
         </p:spPr>
       </p:pic>
-      <p:sp>
-        <p:nvSpPr>
-          <p:cNvPr id="2" name="Cím 1">
-            <a:extLst>
-              <a:ext uri="{FF2B5EF4-FFF2-40B4-BE49-F238E27FC236}">
-                <a16:creationId xmlns:a16="http://schemas.microsoft.com/office/drawing/2014/main" id="{D44BCB7C-A6FC-4118-9027-468ECFDE6455}"/>
-              </a:ext>
-            </a:extLst>
-          </p:cNvPr>
-          <p:cNvSpPr>
-            <a:spLocks noGrp="1"/>
-          </p:cNvSpPr>
-          <p:nvPr>
-            <p:ph type="ctrTitle"/>
-          </p:nvPr>
-        </p:nvSpPr>
-        <p:spPr>
-          <a:xfrm>
-            <a:off x="3962399" y="2573867"/>
-            <a:ext cx="7197726" cy="2421464"/>
-          </a:xfrm>
-        </p:spPr>
-        <p:txBody>
-          <a:bodyPr rtlCol="0">
-            <a:normAutofit/>
-          </a:bodyPr>
-          <a:lstStyle/>
-          <a:p>
-            <a:pPr rtl="0"/>
-            <a:r>
-              <a:rPr lang="hu-HU"/>
-              <a:t>Köszönjük!</a:t>
-            </a:r>
-          </a:p>
-        </p:txBody>
-      </p:sp>
-      <p:sp>
-        <p:nvSpPr>
-          <p:cNvPr id="3" name="Alcím 2">
-            <a:extLst>
-              <a:ext uri="{FF2B5EF4-FFF2-40B4-BE49-F238E27FC236}">
-                <a16:creationId xmlns:a16="http://schemas.microsoft.com/office/drawing/2014/main" id="{4B64FA72-B055-4AE3-A6FD-8071BD687CBE}"/>
-              </a:ext>
-            </a:extLst>
-          </p:cNvPr>
-          <p:cNvSpPr>
-            <a:spLocks noGrp="1"/>
-          </p:cNvSpPr>
-          <p:nvPr>
-            <p:ph type="subTitle" idx="1"/>
-          </p:nvPr>
-        </p:nvSpPr>
-        <p:spPr>
-          <a:xfrm>
-            <a:off x="3962399" y="4995332"/>
-            <a:ext cx="7197726" cy="1405467"/>
-          </a:xfrm>
-        </p:spPr>
-        <p:txBody>
-          <a:bodyPr rtlCol="0">
-            <a:normAutofit/>
-          </a:bodyPr>
-          <a:lstStyle/>
-          <a:p>
-            <a:pPr rtl="0"/>
-            <a:r>
-              <a:rPr lang="hu-HU" dirty="0">
-                <a:solidFill>
-                  <a:schemeClr val="accent1">
-                    <a:lumMod val="40000"/>
-                    <a:lumOff val="60000"/>
-                  </a:schemeClr>
-                </a:solidFill>
-              </a:rPr>
-              <a:t>valaki@example.com</a:t>
-            </a:r>
-          </a:p>
-        </p:txBody>
-      </p:sp>
     </p:spTree>
     <p:extLst>
       <p:ext uri="{BB962C8B-B14F-4D97-AF65-F5344CB8AC3E}">
-        <p14:creationId xmlns:p14="http://schemas.microsoft.com/office/powerpoint/2010/main" val="2939930866"/>
+        <p14:creationId xmlns:p14="http://schemas.microsoft.com/office/powerpoint/2010/main" val="1327657017"/>
       </p:ext>
     </p:extLst>
   </p:cSld>
@@ -9802,9 +9975,16 @@
 <file path=customXml/itemProps2.xml><?xml version="1.0" encoding="utf-8"?>
 <ds:datastoreItem xmlns:ds="http://schemas.openxmlformats.org/officeDocument/2006/customXml" ds:itemID="{B85274BF-C111-4B7A-8D90-F7666D37C131}">
   <ds:schemaRefs>
+    <ds:schemaRef ds:uri="http://purl.org/dc/terms/"/>
+    <ds:schemaRef ds:uri="http://schemas.openxmlformats.org/package/2006/metadata/core-properties"/>
+    <ds:schemaRef ds:uri="16c05727-aa75-4e4a-9b5f-8a80a1165891"/>
+    <ds:schemaRef ds:uri="http://schemas.microsoft.com/office/2006/documentManagement/types"/>
+    <ds:schemaRef ds:uri="http://schemas.microsoft.com/office/infopath/2007/PartnerControls"/>
+    <ds:schemaRef ds:uri="http://purl.org/dc/elements/1.1/"/>
     <ds:schemaRef ds:uri="http://schemas.microsoft.com/office/2006/metadata/properties"/>
-    <ds:schemaRef ds:uri="http://schemas.microsoft.com/office/infopath/2007/PartnerControls"/>
     <ds:schemaRef ds:uri="71af3243-3dd4-4a8d-8c0d-dd76da1f02a5"/>
+    <ds:schemaRef ds:uri="http://www.w3.org/XML/1998/namespace"/>
+    <ds:schemaRef ds:uri="http://purl.org/dc/dcmitype/"/>
   </ds:schemaRefs>
 </ds:datastoreItem>
 </file>

--- a/Atomreaktor szimulator.pptx
+++ b/Atomreaktor szimulator.pptx
@@ -7380,7 +7380,7 @@
               <a:t> </a:t>
             </a:r>
             <a:r>
-              <a:rPr lang="hu-HU" smtClean="0">
+              <a:rPr lang="hu-HU" dirty="0" err="1" smtClean="0">
                 <a:solidFill>
                   <a:schemeClr val="accent1">
                     <a:lumMod val="40000"/>
